--- a/speaker-poster/ppt/Sergey Chubarov.pptx
+++ b/speaker-poster/ppt/Sergey Chubarov.pptx
@@ -5,7 +5,7 @@
     <p:sldMasterId id="2147483648" r:id="rId1"/>
   </p:sldMasterIdLst>
   <p:sldIdLst>
-    <p:sldId id="283" r:id="rId2"/>
+    <p:sldId id="310" r:id="rId2"/>
   </p:sldIdLst>
   <p:sldSz cx="12192000" cy="6858000"/>
   <p:notesSz cx="6858000" cy="9144000"/>
@@ -261,7 +261,7 @@
           <a:p>
             <a:fld id="{4734258E-F4BA-40A9-ADC0-291CE1545D60}" type="datetimeFigureOut">
               <a:rPr lang="en-IN" smtClean="0"/>
-              <a:t>22-08-2021</a:t>
+              <a:t>23-08-2021</a:t>
             </a:fld>
             <a:endParaRPr lang="en-IN"/>
           </a:p>
@@ -461,7 +461,7 @@
           <a:p>
             <a:fld id="{4734258E-F4BA-40A9-ADC0-291CE1545D60}" type="datetimeFigureOut">
               <a:rPr lang="en-IN" smtClean="0"/>
-              <a:t>22-08-2021</a:t>
+              <a:t>23-08-2021</a:t>
             </a:fld>
             <a:endParaRPr lang="en-IN"/>
           </a:p>
@@ -671,7 +671,7 @@
           <a:p>
             <a:fld id="{4734258E-F4BA-40A9-ADC0-291CE1545D60}" type="datetimeFigureOut">
               <a:rPr lang="en-IN" smtClean="0"/>
-              <a:t>22-08-2021</a:t>
+              <a:t>23-08-2021</a:t>
             </a:fld>
             <a:endParaRPr lang="en-IN"/>
           </a:p>
@@ -871,7 +871,7 @@
           <a:p>
             <a:fld id="{4734258E-F4BA-40A9-ADC0-291CE1545D60}" type="datetimeFigureOut">
               <a:rPr lang="en-IN" smtClean="0"/>
-              <a:t>22-08-2021</a:t>
+              <a:t>23-08-2021</a:t>
             </a:fld>
             <a:endParaRPr lang="en-IN"/>
           </a:p>
@@ -1147,7 +1147,7 @@
           <a:p>
             <a:fld id="{4734258E-F4BA-40A9-ADC0-291CE1545D60}" type="datetimeFigureOut">
               <a:rPr lang="en-IN" smtClean="0"/>
-              <a:t>22-08-2021</a:t>
+              <a:t>23-08-2021</a:t>
             </a:fld>
             <a:endParaRPr lang="en-IN"/>
           </a:p>
@@ -1415,7 +1415,7 @@
           <a:p>
             <a:fld id="{4734258E-F4BA-40A9-ADC0-291CE1545D60}" type="datetimeFigureOut">
               <a:rPr lang="en-IN" smtClean="0"/>
-              <a:t>22-08-2021</a:t>
+              <a:t>23-08-2021</a:t>
             </a:fld>
             <a:endParaRPr lang="en-IN"/>
           </a:p>
@@ -1830,7 +1830,7 @@
           <a:p>
             <a:fld id="{4734258E-F4BA-40A9-ADC0-291CE1545D60}" type="datetimeFigureOut">
               <a:rPr lang="en-IN" smtClean="0"/>
-              <a:t>22-08-2021</a:t>
+              <a:t>23-08-2021</a:t>
             </a:fld>
             <a:endParaRPr lang="en-IN"/>
           </a:p>
@@ -1972,7 +1972,7 @@
           <a:p>
             <a:fld id="{4734258E-F4BA-40A9-ADC0-291CE1545D60}" type="datetimeFigureOut">
               <a:rPr lang="en-IN" smtClean="0"/>
-              <a:t>22-08-2021</a:t>
+              <a:t>23-08-2021</a:t>
             </a:fld>
             <a:endParaRPr lang="en-IN"/>
           </a:p>
@@ -2085,7 +2085,7 @@
           <a:p>
             <a:fld id="{4734258E-F4BA-40A9-ADC0-291CE1545D60}" type="datetimeFigureOut">
               <a:rPr lang="en-IN" smtClean="0"/>
-              <a:t>22-08-2021</a:t>
+              <a:t>23-08-2021</a:t>
             </a:fld>
             <a:endParaRPr lang="en-IN"/>
           </a:p>
@@ -2398,7 +2398,7 @@
           <a:p>
             <a:fld id="{4734258E-F4BA-40A9-ADC0-291CE1545D60}" type="datetimeFigureOut">
               <a:rPr lang="en-IN" smtClean="0"/>
-              <a:t>22-08-2021</a:t>
+              <a:t>23-08-2021</a:t>
             </a:fld>
             <a:endParaRPr lang="en-IN"/>
           </a:p>
@@ -2687,7 +2687,7 @@
           <a:p>
             <a:fld id="{4734258E-F4BA-40A9-ADC0-291CE1545D60}" type="datetimeFigureOut">
               <a:rPr lang="en-IN" smtClean="0"/>
-              <a:t>22-08-2021</a:t>
+              <a:t>23-08-2021</a:t>
             </a:fld>
             <a:endParaRPr lang="en-IN"/>
           </a:p>
@@ -2930,7 +2930,7 @@
           <a:p>
             <a:fld id="{4734258E-F4BA-40A9-ADC0-291CE1545D60}" type="datetimeFigureOut">
               <a:rPr lang="en-IN" smtClean="0"/>
-              <a:t>22-08-2021</a:t>
+              <a:t>23-08-2021</a:t>
             </a:fld>
             <a:endParaRPr lang="en-IN"/>
           </a:p>
@@ -3418,7 +3418,7 @@
           <p:cNvPr id="18" name="Picture 17">
             <a:extLst>
               <a:ext uri="{FF2B5EF4-FFF2-40B4-BE49-F238E27FC236}">
-                <a16:creationId xmlns:a16="http://schemas.microsoft.com/office/drawing/2014/main" id="{B305A997-4376-46AF-86AF-B9047393A287}"/>
+                <a16:creationId xmlns:a16="http://schemas.microsoft.com/office/drawing/2014/main" id="{0A2FD7C9-F38F-44C1-9C87-75EE9F557F72}"/>
               </a:ext>
             </a:extLst>
           </p:cNvPr>
@@ -3441,8 +3441,8 @@
         </p:blipFill>
         <p:spPr>
           <a:xfrm>
-            <a:off x="576570" y="1113459"/>
-            <a:ext cx="1632126" cy="1632126"/>
+            <a:off x="580032" y="1117320"/>
+            <a:ext cx="1608575" cy="1608575"/>
           </a:xfrm>
           <a:prstGeom prst="ellipse">
             <a:avLst/>
@@ -3523,8 +3523,8 @@
         </p:nvSpPr>
         <p:spPr>
           <a:xfrm>
-            <a:off x="183569" y="2842996"/>
-            <a:ext cx="2425963" cy="369332"/>
+            <a:off x="441928" y="2858364"/>
+            <a:ext cx="1884784" cy="369332"/>
           </a:xfrm>
           <a:prstGeom prst="rect">
             <a:avLst/>
@@ -3539,8 +3539,12 @@
           <a:p>
             <a:pPr algn="ctr"/>
             <a:r>
-              <a:rPr lang="en-US" dirty="0"/>
-              <a:t>Suman Chakraborty</a:t>
+              <a:rPr lang="en-IN" dirty="0"/>
+              <a:t>Sergey </a:t>
+            </a:r>
+            <a:r>
+              <a:rPr lang="en-IN" dirty="0" err="1"/>
+              <a:t>Chubarov</a:t>
             </a:r>
             <a:endParaRPr lang="en-IN" dirty="0"/>
           </a:p>
@@ -3584,10 +3588,10 @@
       </p:pic>
       <p:pic>
         <p:nvPicPr>
-          <p:cNvPr id="7" name="Picture 6" descr="Logo&#10;&#10;Description automatically generated">
-            <a:extLst>
-              <a:ext uri="{FF2B5EF4-FFF2-40B4-BE49-F238E27FC236}">
-                <a16:creationId xmlns:a16="http://schemas.microsoft.com/office/drawing/2014/main" id="{46A59ABA-9114-466A-8813-85122375EB75}"/>
+          <p:cNvPr id="12" name="Picture 11">
+            <a:extLst>
+              <a:ext uri="{FF2B5EF4-FFF2-40B4-BE49-F238E27FC236}">
+                <a16:creationId xmlns:a16="http://schemas.microsoft.com/office/drawing/2014/main" id="{020F98FC-8B25-42E3-A227-E0E1089A48FA}"/>
               </a:ext>
             </a:extLst>
           </p:cNvPr>
@@ -3597,93 +3601,7 @@
           <p:nvPr/>
         </p:nvPicPr>
         <p:blipFill>
-          <a:blip r:embed="rId7">
-            <a:extLst>
-              <a:ext uri="{28A0092B-C50C-407E-A947-70E740481C1C}">
-                <a14:useLocalDpi xmlns:a14="http://schemas.microsoft.com/office/drawing/2010/main" val="0"/>
-              </a:ext>
-            </a:extLst>
-          </a:blip>
-          <a:stretch>
-            <a:fillRect/>
-          </a:stretch>
-        </p:blipFill>
-        <p:spPr>
-          <a:xfrm>
-            <a:off x="302550" y="3569204"/>
-            <a:ext cx="259670" cy="259670"/>
-          </a:xfrm>
-          <a:prstGeom prst="rect">
-            <a:avLst/>
-          </a:prstGeom>
-        </p:spPr>
-      </p:pic>
-      <p:sp>
-        <p:nvSpPr>
-          <p:cNvPr id="10" name="TextBox 9">
-            <a:extLst>
-              <a:ext uri="{FF2B5EF4-FFF2-40B4-BE49-F238E27FC236}">
-                <a16:creationId xmlns:a16="http://schemas.microsoft.com/office/drawing/2014/main" id="{4B817ECD-00B5-4730-93FE-F154A94ADB1E}"/>
-              </a:ext>
-            </a:extLst>
-          </p:cNvPr>
-          <p:cNvSpPr txBox="1"/>
-          <p:nvPr/>
-        </p:nvSpPr>
-        <p:spPr>
-          <a:xfrm>
-            <a:off x="525572" y="3568234"/>
-            <a:ext cx="2132164" cy="261610"/>
-          </a:xfrm>
-          <a:prstGeom prst="rect">
-            <a:avLst/>
-          </a:prstGeom>
-          <a:noFill/>
-        </p:spPr>
-        <p:txBody>
-          <a:bodyPr wrap="square" rtlCol="0">
-            <a:spAutoFit/>
-          </a:bodyPr>
-          <a:lstStyle/>
-          <a:p>
-            <a:r>
-              <a:rPr lang="en-US" sz="1050" dirty="0">
-                <a:solidFill>
-                  <a:schemeClr val="tx1">
-                    <a:lumMod val="50000"/>
-                    <a:lumOff val="50000"/>
-                  </a:schemeClr>
-                </a:solidFill>
-              </a:rPr>
-              <a:t>itsmesumanc</a:t>
-            </a:r>
-            <a:endParaRPr lang="en-IN" sz="1050" dirty="0">
-              <a:solidFill>
-                <a:schemeClr val="tx1">
-                  <a:lumMod val="50000"/>
-                  <a:lumOff val="50000"/>
-                </a:schemeClr>
-              </a:solidFill>
-            </a:endParaRPr>
-          </a:p>
-        </p:txBody>
-      </p:sp>
-      <p:pic>
-        <p:nvPicPr>
-          <p:cNvPr id="12" name="Picture 11">
-            <a:extLst>
-              <a:ext uri="{FF2B5EF4-FFF2-40B4-BE49-F238E27FC236}">
-                <a16:creationId xmlns:a16="http://schemas.microsoft.com/office/drawing/2014/main" id="{020F98FC-8B25-42E3-A227-E0E1089A48FA}"/>
-              </a:ext>
-            </a:extLst>
-          </p:cNvPr>
-          <p:cNvPicPr>
-            <a:picLocks noChangeAspect="1"/>
-          </p:cNvPicPr>
-          <p:nvPr/>
-        </p:nvPicPr>
-        <p:blipFill>
-          <a:blip r:embed="rId8"/>
+          <a:blip r:embed="rId7"/>
           <a:stretch>
             <a:fillRect/>
           </a:stretch>
@@ -3760,7 +3678,7 @@
           <p:nvPr/>
         </p:nvPicPr>
         <p:blipFill rotWithShape="1">
-          <a:blip r:embed="rId9">
+          <a:blip r:embed="rId8">
             <a:alphaModFix amt="71000"/>
             <a:extLst>
               <a:ext uri="{28A0092B-C50C-407E-A947-70E740481C1C}">
@@ -3934,7 +3852,7 @@
         <p:spPr>
           <a:xfrm>
             <a:off x="4518549" y="399837"/>
-            <a:ext cx="7830865" cy="769441"/>
+            <a:ext cx="7830865" cy="1261884"/>
           </a:xfrm>
           <a:prstGeom prst="rect">
             <a:avLst/>
@@ -3948,13 +3866,28 @@
           <a:lstStyle/>
           <a:p>
             <a:r>
-              <a:rPr lang="en-US" sz="4400" b="1" dirty="0">
+              <a:rPr lang="en-IN" sz="4400" b="1" dirty="0">
                 <a:solidFill>
                   <a:schemeClr val="bg1"/>
                 </a:solidFill>
               </a:rPr>
-              <a:t>Suman Chakraborty</a:t>
-            </a:r>
+              <a:t>Sergey </a:t>
+            </a:r>
+            <a:r>
+              <a:rPr lang="en-IN" sz="4400" b="1" dirty="0" err="1">
+                <a:solidFill>
+                  <a:schemeClr val="bg1"/>
+                </a:solidFill>
+              </a:rPr>
+              <a:t>Chubarov</a:t>
+            </a:r>
+            <a:endParaRPr lang="en-IN" sz="4400" b="1" dirty="0">
+              <a:solidFill>
+                <a:schemeClr val="bg1"/>
+              </a:solidFill>
+            </a:endParaRPr>
+          </a:p>
+          <a:p>
             <a:endParaRPr lang="en-IN" sz="3200" b="1" dirty="0">
               <a:solidFill>
                 <a:schemeClr val="bg1"/>
@@ -4026,7 +3959,7 @@
         <p:spPr>
           <a:xfrm>
             <a:off x="4460906" y="1228016"/>
-            <a:ext cx="7673452" cy="1015663"/>
+            <a:ext cx="7673452" cy="1569660"/>
           </a:xfrm>
           <a:prstGeom prst="rect">
             <a:avLst/>
@@ -4044,35 +3977,155 @@
               <a:buChar char="Ø"/>
             </a:pPr>
             <a:r>
-              <a:rPr lang="en-IN" sz="3000" dirty="0">
+              <a:rPr lang="en-US" sz="3200" dirty="0" err="1">
                 <a:solidFill>
                   <a:schemeClr val="bg1"/>
                 </a:solidFill>
               </a:rPr>
-              <a:t>Simplifying Deployment Pipelines from 'Build' to 'Release' using HashiCorp Waypoint</a:t>
-            </a:r>
-            <a:endParaRPr lang="en-IN" sz="3000" dirty="0"/>
+              <a:t>Pentesting</a:t>
+            </a:r>
+            <a:r>
+              <a:rPr lang="en-US" sz="3200" dirty="0">
+                <a:solidFill>
+                  <a:schemeClr val="bg1"/>
+                </a:solidFill>
+              </a:rPr>
+              <a:t> Azure Container Services</a:t>
+            </a:r>
+          </a:p>
+          <a:p>
+            <a:pPr marL="457200" indent="-457200">
+              <a:buFont typeface="Wingdings" panose="05000000000000000000" pitchFamily="2" charset="2"/>
+              <a:buChar char="Ø"/>
+            </a:pPr>
+            <a:endParaRPr lang="en-US" sz="3200" dirty="0">
+              <a:solidFill>
+                <a:schemeClr val="bg1"/>
+              </a:solidFill>
+            </a:endParaRPr>
+          </a:p>
+          <a:p>
+            <a:endParaRPr lang="en-IN" sz="3200" dirty="0"/>
+          </a:p>
+        </p:txBody>
+      </p:sp>
+      <p:pic>
+        <p:nvPicPr>
+          <p:cNvPr id="17" name="Picture 16" descr="Icon&#10;&#10;Description automatically generated">
+            <a:extLst>
+              <a:ext uri="{FF2B5EF4-FFF2-40B4-BE49-F238E27FC236}">
+                <a16:creationId xmlns:a16="http://schemas.microsoft.com/office/drawing/2014/main" id="{167CF9B8-429B-41E6-9FCA-3BA72CDDE05B}"/>
+              </a:ext>
+            </a:extLst>
+          </p:cNvPr>
+          <p:cNvPicPr>
+            <a:picLocks noChangeAspect="1"/>
+          </p:cNvPicPr>
+          <p:nvPr/>
+        </p:nvPicPr>
+        <p:blipFill>
+          <a:blip r:embed="rId9">
+            <a:extLst>
+              <a:ext uri="{28A0092B-C50C-407E-A947-70E740481C1C}">
+                <a14:useLocalDpi xmlns:a14="http://schemas.microsoft.com/office/drawing/2010/main" val="0"/>
+              </a:ext>
+            </a:extLst>
+          </a:blip>
+          <a:stretch>
+            <a:fillRect/>
+          </a:stretch>
+        </p:blipFill>
+        <p:spPr>
+          <a:xfrm>
+            <a:off x="513183" y="3660866"/>
+            <a:ext cx="200489" cy="200489"/>
+          </a:xfrm>
+          <a:prstGeom prst="rect">
+            <a:avLst/>
+          </a:prstGeom>
+        </p:spPr>
+      </p:pic>
+      <p:sp>
+        <p:nvSpPr>
+          <p:cNvPr id="19" name="TextBox 18">
+            <a:extLst>
+              <a:ext uri="{FF2B5EF4-FFF2-40B4-BE49-F238E27FC236}">
+                <a16:creationId xmlns:a16="http://schemas.microsoft.com/office/drawing/2014/main" id="{7E475C8F-F729-4370-BED4-3152610E6344}"/>
+              </a:ext>
+            </a:extLst>
+          </p:cNvPr>
+          <p:cNvSpPr txBox="1"/>
+          <p:nvPr/>
+        </p:nvSpPr>
+        <p:spPr>
+          <a:xfrm>
+            <a:off x="708823" y="3630305"/>
+            <a:ext cx="2132164" cy="415498"/>
+          </a:xfrm>
+          <a:prstGeom prst="rect">
+            <a:avLst/>
+          </a:prstGeom>
+          <a:noFill/>
+        </p:spPr>
+        <p:txBody>
+          <a:bodyPr wrap="square" rtlCol="0">
+            <a:spAutoFit/>
+          </a:bodyPr>
+          <a:lstStyle/>
+          <a:p>
+            <a:r>
+              <a:rPr lang="en-IN" sz="1050" dirty="0">
+                <a:solidFill>
+                  <a:schemeClr val="tx1">
+                    <a:lumMod val="50000"/>
+                    <a:lumOff val="50000"/>
+                  </a:schemeClr>
+                </a:solidFill>
+              </a:rPr>
+              <a:t>Sergey </a:t>
+            </a:r>
+            <a:r>
+              <a:rPr lang="en-IN" sz="1050" dirty="0" err="1">
+                <a:solidFill>
+                  <a:schemeClr val="tx1">
+                    <a:lumMod val="50000"/>
+                    <a:lumOff val="50000"/>
+                  </a:schemeClr>
+                </a:solidFill>
+              </a:rPr>
+              <a:t>Chubarov</a:t>
+            </a:r>
+            <a:endParaRPr lang="en-IN" sz="1050" dirty="0">
+              <a:solidFill>
+                <a:schemeClr val="tx1">
+                  <a:lumMod val="50000"/>
+                  <a:lumOff val="50000"/>
+                </a:schemeClr>
+              </a:solidFill>
+            </a:endParaRPr>
+          </a:p>
+          <a:p>
+            <a:endParaRPr lang="en-IN" sz="1050" dirty="0">
+              <a:solidFill>
+                <a:schemeClr val="tx1">
+                  <a:lumMod val="50000"/>
+                  <a:lumOff val="50000"/>
+                </a:schemeClr>
+              </a:solidFill>
+            </a:endParaRPr>
           </a:p>
         </p:txBody>
       </p:sp>
     </p:spTree>
     <p:extLst>
       <p:ext uri="{BB962C8B-B14F-4D97-AF65-F5344CB8AC3E}">
-        <p14:creationId xmlns:p14="http://schemas.microsoft.com/office/powerpoint/2010/main" val="706968682"/>
+        <p14:creationId xmlns:p14="http://schemas.microsoft.com/office/powerpoint/2010/main" val="917986467"/>
       </p:ext>
     </p:extLst>
   </p:cSld>
   <p:clrMapOvr>
     <a:masterClrMapping/>
   </p:clrMapOvr>
-  <mc:AlternateContent xmlns:mc="http://schemas.openxmlformats.org/markup-compatibility/2006" xmlns:p14="http://schemas.microsoft.com/office/powerpoint/2010/main">
-    <mc:Choice Requires="p14">
-      <p:transition spd="slow" p14:dur="2000" advTm="470"/>
-    </mc:Choice>
-    <mc:Fallback xmlns="">
-      <p:transition spd="slow" advTm="470"/>
-    </mc:Fallback>
-  </mc:AlternateContent>
 </p:sld>
 </file>
 
